--- a/Project 2 Hao Wang v01.pptx
+++ b/Project 2 Hao Wang v01.pptx
@@ -3452,7 +3452,7 @@
         </p:spPr>
         <p:txBody>
           <a:bodyPr vert="horz" lIns="91440" tIns="45720" rIns="91440" bIns="45720" rtlCol="0">
-            <a:normAutofit fontScale="92500" lnSpcReduction="10000"/>
+            <a:normAutofit fontScale="70000" lnSpcReduction="20000"/>
           </a:bodyPr>
           <a:lstStyle>
             <a:lvl1pPr marL="0" indent="0" algn="ctr" defTabSz="914400" rtl="0" eaLnBrk="1" latinLnBrk="0" hangingPunct="1">
@@ -3622,27 +3622,30 @@
             <a:pPr algn="l"/>
             <a:r>
               <a:rPr lang="en-US" dirty="0"/>
-              <a:t>YouTube: 		</a:t>
+              <a:t>GitHub Repository:	</a:t>
             </a:r>
             <a:r>
               <a:rPr lang="en-US" dirty="0">
                 <a:hlinkClick r:id="rId2"/>
               </a:rPr>
-              <a:t>https://youtu.be/akFRgl3ZXJs</a:t>
-            </a:r>
-            <a:endParaRPr lang="en-US" dirty="0"/>
+              <a:t>https://github.com/48120778/CaseStudy2DDS</a:t>
+            </a:r>
+            <a:r>
+              <a:rPr lang="en-US" dirty="0"/>
+              <a:t> </a:t>
+            </a:r>
           </a:p>
           <a:p>
             <a:pPr algn="l"/>
             <a:r>
               <a:rPr lang="en-US" dirty="0"/>
-              <a:t>Rshiny App:  		</a:t>
+              <a:t>GitHub Website: 	</a:t>
             </a:r>
             <a:r>
               <a:rPr lang="en-US" dirty="0">
                 <a:hlinkClick r:id="rId3"/>
               </a:rPr>
-              <a:t>https://data-science-hw.shinyapps.io/EmployeeShiny/</a:t>
+              <a:t>https://48120778.github.io/</a:t>
             </a:r>
             <a:r>
               <a:rPr lang="en-US" dirty="0"/>
@@ -3653,13 +3656,27 @@
             <a:pPr algn="l"/>
             <a:r>
               <a:rPr lang="en-US" dirty="0"/>
-              <a:t>GitHub website: 	</a:t>
+              <a:t>YouTube: 		</a:t>
             </a:r>
             <a:r>
               <a:rPr lang="en-US" dirty="0">
                 <a:hlinkClick r:id="rId4"/>
               </a:rPr>
-              <a:t>https://48120778.github.io/</a:t>
+              <a:t>https://youtu.be/akFRgl3ZXJs</a:t>
+            </a:r>
+            <a:endParaRPr lang="en-US" dirty="0"/>
+          </a:p>
+          <a:p>
+            <a:pPr algn="l"/>
+            <a:r>
+              <a:rPr lang="en-US" dirty="0"/>
+              <a:t>Rshiny App:  	</a:t>
+            </a:r>
+            <a:r>
+              <a:rPr lang="en-US" dirty="0">
+                <a:hlinkClick r:id="rId5"/>
+              </a:rPr>
+              <a:t>https://data-science-hw.shinyapps.io/EmployeeShiny/</a:t>
             </a:r>
             <a:r>
               <a:rPr lang="en-US" dirty="0"/>
@@ -4600,7 +4617,7 @@
           <a:graphicData uri="http://schemas.openxmlformats.org/presentationml/2006/ole">
             <mc:AlternateContent xmlns:mc="http://schemas.openxmlformats.org/markup-compatibility/2006">
               <mc:Choice xmlns:v="urn:schemas-microsoft-com:vml" Requires="v">
-                <p:oleObj spid="_x0000_s1081" name="Macro-Enabled Worksheet" showAsIcon="1" r:id="rId3" imgW="914400" imgH="792360" progId="Excel.SheetMacroEnabled.12">
+                <p:oleObj spid="_x0000_s1082" name="Macro-Enabled Worksheet" showAsIcon="1" r:id="rId3" imgW="914400" imgH="792360" progId="Excel.SheetMacroEnabled.12">
                   <p:embed/>
                 </p:oleObj>
               </mc:Choice>
@@ -4789,7 +4806,7 @@
           <a:graphicData uri="http://schemas.openxmlformats.org/presentationml/2006/ole">
             <mc:AlternateContent xmlns:mc="http://schemas.openxmlformats.org/markup-compatibility/2006">
               <mc:Choice xmlns:v="urn:schemas-microsoft-com:vml" Requires="v">
-                <p:oleObj spid="_x0000_s2096" name="Macro-Enabled Worksheet" showAsIcon="1" r:id="rId3" imgW="914400" imgH="792360" progId="Excel.SheetMacroEnabled.12">
+                <p:oleObj spid="_x0000_s2097" name="Macro-Enabled Worksheet" showAsIcon="1" r:id="rId3" imgW="914400" imgH="792360" progId="Excel.SheetMacroEnabled.12">
                   <p:embed/>
                 </p:oleObj>
               </mc:Choice>
